--- a/Summary.pptx
+++ b/Summary.pptx
@@ -6234,7 +6234,7 @@
               <a:t>73</a:t>
             </a:r>
             <a:r>
-              <a:rPr lang="" altLang="en-US" sz="1400">
+              <a:rPr lang="en-US" altLang="en-US" sz="1400">
                 <a:solidFill>
                   <a:schemeClr val="bg2"/>
                 </a:solidFill>
@@ -6264,7 +6264,7 @@
               <a:t> samples with 195 subjects </a:t>
             </a:r>
             <a:r>
-              <a:rPr lang="" altLang="en-US" sz="1400">
+              <a:rPr lang="en-US" altLang="en-US" sz="1400">
                 <a:solidFill>
                   <a:srgbClr val="FF0000"/>
                 </a:solidFill>
@@ -6294,7 +6294,7 @@
               <a:t> </a:t>
             </a:r>
             <a:r>
-              <a:rPr lang="" altLang="en-US" sz="1400">
+              <a:rPr lang="en-US" altLang="en-US" sz="1400">
                 <a:solidFill>
                   <a:srgbClr val="FF0000"/>
                 </a:solidFill>
@@ -6506,37 +6506,7 @@
                   </a:innerShdw>
                 </a:effectLst>
               </a:rPr>
-              <a:t>:  64</a:t>
-            </a:r>
-            <a:r>
-              <a:rPr lang="" altLang="en-US" sz="1400">
-                <a:solidFill>
-                  <a:schemeClr val="bg2"/>
-                </a:solidFill>
-                <a:effectLst>
-                  <a:innerShdw blurRad="63500" dist="50800" dir="13500000">
-                    <a:srgbClr val="000000">
-                      <a:alpha val="50000"/>
-                    </a:srgbClr>
-                  </a:innerShdw>
-                </a:effectLst>
-              </a:rPr>
-              <a:t>1</a:t>
-            </a:r>
-            <a:r>
-              <a:rPr lang="en-US" altLang="en-US" sz="1400">
-                <a:solidFill>
-                  <a:schemeClr val="bg2"/>
-                </a:solidFill>
-                <a:effectLst>
-                  <a:innerShdw blurRad="63500" dist="50800" dir="13500000">
-                    <a:srgbClr val="000000">
-                      <a:alpha val="50000"/>
-                    </a:srgbClr>
-                  </a:innerShdw>
-                </a:effectLst>
-              </a:rPr>
-              <a:t> samples with 137 subjects.</a:t>
+              <a:t>:  641 samples with 137 subjects.</a:t>
             </a:r>
             <a:endParaRPr lang="en-US" altLang="en-US" sz="1400">
               <a:solidFill>
@@ -7113,14 +7083,14 @@
                         <a:buNone/>
                       </a:pPr>
                       <a:r>
-                        <a:rPr lang="" altLang="en-US" sz="1000">
+                        <a:rPr lang="en-US" altLang="en-US" sz="1000">
                           <a:solidFill>
                             <a:schemeClr val="bg2"/>
                           </a:solidFill>
                         </a:rPr>
                         <a:t>197</a:t>
                       </a:r>
-                      <a:endParaRPr lang="" altLang="en-US" sz="1000">
+                      <a:endParaRPr lang="en-US" altLang="en-US" sz="1000">
                         <a:solidFill>
                           <a:schemeClr val="bg2"/>
                         </a:solidFill>
@@ -7190,14 +7160,14 @@
                         <a:buNone/>
                       </a:pPr>
                       <a:r>
-                        <a:rPr lang="" altLang="en-US" sz="1000">
+                        <a:rPr lang="en-US" altLang="en-US" sz="1000">
                           <a:solidFill>
                             <a:schemeClr val="bg2"/>
                           </a:solidFill>
                         </a:rPr>
                         <a:t>281</a:t>
                       </a:r>
-                      <a:endParaRPr lang="" altLang="en-US" sz="1000">
+                      <a:endParaRPr lang="en-US" altLang="en-US" sz="1000">
                         <a:solidFill>
                           <a:schemeClr val="bg2"/>
                         </a:solidFill>
@@ -7272,17 +7242,9 @@
                             <a:schemeClr val="bg2"/>
                           </a:solidFill>
                         </a:rPr>
-                        <a:t>2</a:t>
+                        <a:t>254</a:t>
                       </a:r>
-                      <a:r>
-                        <a:rPr lang="" altLang="en-US" sz="1000">
-                          <a:solidFill>
-                            <a:schemeClr val="bg2"/>
-                          </a:solidFill>
-                        </a:rPr>
-                        <a:t>54</a:t>
-                      </a:r>
-                      <a:endParaRPr lang="" altLang="en-US" sz="1000">
+                      <a:endParaRPr lang="en-US" altLang="en-US" sz="1000">
                         <a:solidFill>
                           <a:schemeClr val="bg2"/>
                         </a:solidFill>
@@ -7515,7 +7477,7 @@
               <a:buNone/>
             </a:pPr>
             <a:r>
-              <a:rPr lang="" altLang="en-US" sz="1400">
+              <a:rPr lang="en-US" altLang="en-US" sz="1400">
                 <a:solidFill>
                   <a:schemeClr val="bg2"/>
                 </a:solidFill>
@@ -7529,7 +7491,7 @@
               </a:rPr>
               <a:t>5. Draw 215 genera from the TOU Table</a:t>
             </a:r>
-            <a:endParaRPr lang="" altLang="en-US" sz="1400">
+            <a:endParaRPr lang="en-US" altLang="en-US" sz="1400">
               <a:solidFill>
                 <a:schemeClr val="bg2"/>
               </a:solidFill>
@@ -7805,20 +7767,9 @@
                   </a:schemeClr>
                 </a:solidFill>
               </a:rPr>
-              <a:t>Each row is a taxonomic path </a:t>
-            </a:r>
-            <a:r>
-              <a:rPr lang="" altLang="en-US" sz="1200">
-                <a:solidFill>
-                  <a:schemeClr val="tx2">
-                    <a:lumMod val="60000"/>
-                    <a:lumOff val="40000"/>
-                  </a:schemeClr>
-                </a:solidFill>
-              </a:rPr>
-              <a:t>to the genus level. 215 genera.</a:t>
-            </a:r>
-            <a:endParaRPr lang="" altLang="en-US" sz="1200">
+              <a:t>Each row is a taxonomic path to the genus level. 215 genera.</a:t>
+            </a:r>
+            <a:endParaRPr lang="en-US" altLang="en-US" sz="1200">
               <a:solidFill>
                 <a:schemeClr val="tx2">
                   <a:lumMod val="60000"/>
@@ -8808,40 +8759,7 @@
                   </a:outerShdw>
                 </a:effectLst>
               </a:rPr>
-              <a:t>           validateFoldSizeAllergy = round((1 / numFold) * len(</a:t>
-            </a:r>
-            <a:r>
-              <a:rPr lang="en-US" altLang="en-US" sz="1000">
-                <a:solidFill>
-                  <a:srgbClr val="C00000"/>
-                </a:solidFill>
-                <a:effectLst>
-                  <a:outerShdw blurRad="38100" dist="19050" dir="2700000" algn="tl" rotWithShape="0">
-                    <a:schemeClr val="dk1">
-                      <a:alpha val="40000"/>
-                    </a:schemeClr>
-                  </a:outerShdw>
-                </a:effectLst>
-              </a:rPr>
-              <a:t>subjAll)</a:t>
-            </a:r>
-            <a:r>
-              <a:rPr lang="en-US" altLang="en-US" sz="1000">
-                <a:solidFill>
-                  <a:schemeClr val="bg2">
-                    <a:lumMod val="60000"/>
-                    <a:lumOff val="40000"/>
-                  </a:schemeClr>
-                </a:solidFill>
-                <a:effectLst>
-                  <a:outerShdw blurRad="38100" dist="19050" dir="2700000" algn="tl" rotWithShape="0">
-                    <a:schemeClr val="dk1">
-                      <a:alpha val="40000"/>
-                    </a:schemeClr>
-                  </a:outerShdw>
-                </a:effectLst>
-              </a:rPr>
-              <a:t>)</a:t>
+              <a:t>           validateFoldSizeAllergy = round((1 / numFold) * len(subjAll))</a:t>
             </a:r>
             <a:endParaRPr lang="en-US" altLang="en-US" sz="1000">
               <a:solidFill>
@@ -8964,6 +8882,33 @@
           </a:p>
           <a:p>
             <a:pPr algn="l"/>
+            <a:r>
+              <a:rPr lang="en-US" altLang="en-US" sz="1000">
+                <a:solidFill>
+                  <a:schemeClr val="tx1"/>
+                </a:solidFill>
+                <a:sym typeface="+mn-ea"/>
+              </a:rPr>
+              <a:t>(numFold=</a:t>
+            </a:r>
+            <a:r>
+              <a:rPr lang="" altLang="en-US" sz="1000">
+                <a:solidFill>
+                  <a:schemeClr val="tx1"/>
+                </a:solidFill>
+                <a:sym typeface="+mn-ea"/>
+              </a:rPr>
+              <a:t>10</a:t>
+            </a:r>
+            <a:r>
+              <a:rPr lang="en-US" altLang="en-US" sz="1000">
+                <a:solidFill>
+                  <a:schemeClr val="tx1"/>
+                </a:solidFill>
+                <a:sym typeface="+mn-ea"/>
+              </a:rPr>
+              <a:t>)</a:t>
+            </a:r>
             <a:endParaRPr lang="en-US" altLang="en-US" sz="1000">
               <a:solidFill>
                 <a:schemeClr val="accent4"/>
@@ -8980,37 +8925,6 @@
           </a:p>
           <a:p>
             <a:pPr algn="l"/>
-            <a:r>
-              <a:rPr lang="en-US" altLang="en-US" sz="1000">
-                <a:solidFill>
-                  <a:schemeClr val="tx1"/>
-                </a:solidFill>
-                <a:effectLst>
-                  <a:outerShdw blurRad="38100" dist="19050" dir="2700000" algn="tl" rotWithShape="0">
-                    <a:schemeClr val="dk1">
-                      <a:alpha val="40000"/>
-                    </a:schemeClr>
-                  </a:outerShdw>
-                </a:effectLst>
-              </a:rPr>
-              <a:t>Why select </a:t>
-            </a:r>
-            <a:r>
-              <a:rPr lang="en-US" altLang="en-US" sz="1000">
-                <a:solidFill>
-                  <a:schemeClr val="tx1"/>
-                </a:solidFill>
-                <a:effectLst>
-                  <a:outerShdw blurRad="38100" dist="19050" dir="2700000" algn="tl" rotWithShape="0">
-                    <a:schemeClr val="dk1">
-                      <a:alpha val="40000"/>
-                    </a:schemeClr>
-                  </a:outerShdw>
-                </a:effectLst>
-                <a:sym typeface="+mn-ea"/>
-              </a:rPr>
-              <a:t>validation set from the whole dataset?</a:t>
-            </a:r>
             <a:endParaRPr lang="en-US" altLang="en-US" sz="1000">
               <a:solidFill>
                 <a:schemeClr val="accent4"/>
@@ -9037,42 +8951,6 @@
           </a:p>
         </p:txBody>
       </p:sp>
-      <p:cxnSp>
-        <p:nvCxnSpPr>
-          <p:cNvPr id="7" name="Curved Connector 6"/>
-          <p:cNvCxnSpPr/>
-          <p:nvPr/>
-        </p:nvCxnSpPr>
-        <p:spPr>
-          <a:xfrm rot="10800000" flipV="1">
-            <a:off x="683260" y="4530725"/>
-            <a:ext cx="4065905" cy="1129665"/>
-          </a:xfrm>
-          <a:prstGeom prst="curvedConnector3">
-            <a:avLst>
-              <a:gd name="adj1" fmla="val -56770"/>
-            </a:avLst>
-          </a:prstGeom>
-          <a:ln>
-            <a:headEnd type="none" w="med" len="med"/>
-            <a:tailEnd type="arrow" w="med" len="med"/>
-          </a:ln>
-        </p:spPr>
-        <p:style>
-          <a:lnRef idx="1">
-            <a:schemeClr val="accent6"/>
-          </a:lnRef>
-          <a:fillRef idx="0">
-            <a:schemeClr val="accent6"/>
-          </a:fillRef>
-          <a:effectRef idx="0">
-            <a:schemeClr val="accent6"/>
-          </a:effectRef>
-          <a:fontRef idx="minor">
-            <a:schemeClr val="tx1"/>
-          </a:fontRef>
-        </p:style>
-      </p:cxnSp>
     </p:spTree>
   </p:cSld>
   <p:clrMapOvr>
@@ -9114,7 +8992,7 @@
           <a:bodyPr/>
           <a:p>
             <a:r>
-              <a:rPr lang="" sz="1600"/>
+              <a:rPr lang="en-US" sz="1600"/>
               <a:t>Results</a:t>
             </a:r>
             <a:br>
@@ -9203,7 +9081,7 @@
         <p:spPr>
           <a:xfrm>
             <a:off x="300355" y="852805"/>
-            <a:ext cx="7888605" cy="553085"/>
+            <a:ext cx="7888605" cy="706755"/>
           </a:xfrm>
           <a:prstGeom prst="rect">
             <a:avLst/>
@@ -9217,8 +9095,37 @@
           <a:p>
             <a:pPr algn="l"/>
             <a:r>
+              <a:rPr lang="" altLang="en-US" sz="1000" b="1">
+                <a:solidFill>
+                  <a:schemeClr val="tx1"/>
+                </a:solidFill>
+                <a:effectLst>
+                  <a:outerShdw blurRad="38100" dist="19050" dir="2700000" algn="tl" rotWithShape="0">
+                    <a:schemeClr val="dk1">
+                      <a:alpha val="40000"/>
+                    </a:schemeClr>
+                  </a:outerShdw>
+                </a:effectLst>
+              </a:rPr>
+              <a:t>1. LSTM with raw features</a:t>
+            </a:r>
+            <a:endParaRPr lang="en-US" altLang="en-US" sz="1000">
+              <a:solidFill>
+                <a:schemeClr val="tx1"/>
+              </a:solidFill>
+              <a:effectLst>
+                <a:outerShdw blurRad="38100" dist="19050" dir="2700000" algn="tl" rotWithShape="0">
+                  <a:schemeClr val="dk1">
+                    <a:alpha val="40000"/>
+                  </a:schemeClr>
+                </a:outerShdw>
+              </a:effectLst>
+            </a:endParaRPr>
+          </a:p>
+          <a:p>
+            <a:pPr algn="l"/>
+            <a:r>
               <a:rPr lang="en-US" altLang="en-US" sz="1000">
-                <a:ln/>
                 <a:solidFill>
                   <a:schemeClr val="tx1"/>
                 </a:solidFill>
@@ -9233,7 +9140,6 @@
               <a:t>Average AUC = 0.55,   Average MCC = 0.09</a:t>
             </a:r>
             <a:endParaRPr lang="en-US" altLang="en-US" sz="1000">
-              <a:ln/>
               <a:solidFill>
                 <a:schemeClr val="tx1"/>
               </a:solidFill>
@@ -9250,7 +9156,6 @@
             <a:pPr algn="l"/>
             <a:r>
               <a:rPr lang="en-US" altLang="en-US" sz="1000">
-                <a:ln/>
                 <a:solidFill>
                   <a:schemeClr val="tx1"/>
                 </a:solidFill>
@@ -9265,7 +9170,6 @@
               <a:t>Elapsed time = 328.87 Seconds</a:t>
             </a:r>
             <a:endParaRPr lang="en-US" altLang="en-US" sz="1000">
-              <a:ln/>
               <a:solidFill>
                 <a:schemeClr val="tx1"/>
               </a:solidFill>
@@ -9283,7 +9187,6 @@
               <a:buNone/>
             </a:pPr>
             <a:endParaRPr lang="en-US" altLang="en-US" sz="1000">
-              <a:ln/>
               <a:solidFill>
                 <a:schemeClr val="tx1"/>
               </a:solidFill>
